--- a/Power Body Language.pptx
+++ b/Power Body Language.pptx
@@ -533,22 +533,38 @@
           </a:p>
           <a:p>
             <a:r>
+              <a:rPr lang="en-US" dirty="0" smtClean="0"/>
+              <a:t>Minh</a:t>
+            </a:r>
+            <a:r>
+              <a:rPr lang="en-US" baseline="0" dirty="0" smtClean="0"/>
+              <a:t> </a:t>
+            </a:r>
+            <a:r>
               <a:rPr lang="vi-VN" dirty="0" smtClean="0"/>
-              <a:t>Mình rất vui được gặp mọi </a:t>
-            </a:r>
-            <a:r>
-              <a:rPr lang="vi-VN" smtClean="0"/>
-              <a:t>người ở </a:t>
+              <a:t>rất </a:t>
             </a:r>
             <a:r>
               <a:rPr lang="vi-VN" dirty="0" smtClean="0"/>
-              <a:t>đây</a:t>
+              <a:t>vui được gặp mọi người ở đây</a:t>
             </a:r>
           </a:p>
           <a:p>
             <a:r>
               <a:rPr lang="vi-VN" dirty="0" smtClean="0"/>
-              <a:t>Hnay nhóm tôi xin giới thiệu về những mẹo nhỏ để chúng ta có bài</a:t>
+              <a:t>Hnay nhóm </a:t>
+            </a:r>
+            <a:r>
+              <a:rPr lang="en-US" dirty="0" err="1" smtClean="0"/>
+              <a:t>mình</a:t>
+            </a:r>
+            <a:r>
+              <a:rPr lang="vi-VN" dirty="0" smtClean="0"/>
+              <a:t> </a:t>
+            </a:r>
+            <a:r>
+              <a:rPr lang="vi-VN" dirty="0" smtClean="0"/>
+              <a:t>xin giới thiệu về những mẹo nhỏ để chúng ta có bài</a:t>
             </a:r>
             <a:r>
               <a:rPr lang="en-US" dirty="0" smtClean="0"/>
@@ -574,13 +590,77 @@
           <a:p>
             <a:r>
               <a:rPr lang="vi-VN" dirty="0" smtClean="0"/>
-              <a:t>Vâng chủ đề ngày hôm nay đó là Sức mạnh ngôn ngữ cơ thể</a:t>
+              <a:t>Vâng</a:t>
+            </a:r>
+            <a:r>
+              <a:rPr lang="en-US" dirty="0" smtClean="0"/>
+              <a:t>,</a:t>
+            </a:r>
+            <a:r>
+              <a:rPr lang="vi-VN" dirty="0" smtClean="0"/>
+              <a:t> </a:t>
+            </a:r>
+            <a:r>
+              <a:rPr lang="vi-VN" dirty="0" smtClean="0"/>
+              <a:t>chủ đề ngày hôm nay đó là Sức mạnh ngôn ngữ cơ thể</a:t>
             </a:r>
           </a:p>
           <a:p>
             <a:r>
+              <a:rPr lang="en-US" dirty="0" err="1" smtClean="0"/>
+              <a:t>Thành</a:t>
+            </a:r>
+            <a:r>
+              <a:rPr lang="en-US" baseline="0" dirty="0" smtClean="0"/>
+              <a:t> </a:t>
+            </a:r>
+            <a:r>
+              <a:rPr lang="en-US" baseline="0" dirty="0" err="1" smtClean="0"/>
+              <a:t>viên</a:t>
+            </a:r>
+            <a:r>
+              <a:rPr lang="en-US" baseline="0" dirty="0" smtClean="0"/>
+              <a:t> </a:t>
+            </a:r>
+            <a:r>
+              <a:rPr lang="en-US" baseline="0" dirty="0" err="1" smtClean="0"/>
+              <a:t>trình</a:t>
+            </a:r>
+            <a:r>
+              <a:rPr lang="en-US" baseline="0" dirty="0" smtClean="0"/>
+              <a:t> </a:t>
+            </a:r>
+            <a:r>
+              <a:rPr lang="en-US" baseline="0" dirty="0" err="1" smtClean="0"/>
+              <a:t>bày</a:t>
+            </a:r>
+            <a:r>
+              <a:rPr lang="en-US" baseline="0" dirty="0" smtClean="0"/>
+              <a:t> </a:t>
+            </a:r>
+            <a:r>
+              <a:rPr lang="en-US" baseline="0" dirty="0" err="1" smtClean="0"/>
+              <a:t>bao</a:t>
+            </a:r>
+            <a:r>
+              <a:rPr lang="en-US" baseline="0" dirty="0" smtClean="0"/>
+              <a:t> </a:t>
+            </a:r>
+            <a:r>
+              <a:rPr lang="en-US" baseline="0" dirty="0" err="1" smtClean="0"/>
+              <a:t>gồm</a:t>
+            </a:r>
+            <a:r>
+              <a:rPr lang="en-US" baseline="0" dirty="0" smtClean="0"/>
+              <a:t> </a:t>
+            </a:r>
+            <a:r>
               <a:rPr lang="vi-VN" dirty="0" smtClean="0"/>
-              <a:t>Nhóm của tôi bao gồm:Nghệ Pham</a:t>
+              <a:t>:Nghệ </a:t>
+            </a:r>
+            <a:r>
+              <a:rPr lang="vi-VN" dirty="0" smtClean="0"/>
+              <a:t>Pham</a:t>
             </a:r>
             <a:r>
               <a:rPr lang="en-US" dirty="0" smtClean="0"/>
@@ -611,7 +691,35 @@
           <a:p>
             <a:r>
               <a:rPr lang="vi-VN" dirty="0" smtClean="0"/>
-              <a:t>Trước khi bắt đầu bài thuyết trình, tôi có đề nghị nhỏ là các bạn cần làm là thay đổi tư thế trong vòng </a:t>
+              <a:t>Trước khi bắt đầu bài thuyết trình, </a:t>
+            </a:r>
+            <a:r>
+              <a:rPr lang="en-US" dirty="0" err="1" smtClean="0"/>
+              <a:t>mình</a:t>
+            </a:r>
+            <a:r>
+              <a:rPr lang="vi-VN" dirty="0" smtClean="0"/>
+              <a:t> có </a:t>
+            </a:r>
+            <a:r>
+              <a:rPr lang="vi-VN" dirty="0" smtClean="0"/>
+              <a:t>đề nghị </a:t>
+            </a:r>
+            <a:r>
+              <a:rPr lang="vi-VN" dirty="0" smtClean="0"/>
+              <a:t>nhỏ</a:t>
+            </a:r>
+            <a:r>
+              <a:rPr lang="en-US" dirty="0" smtClean="0"/>
+              <a:t>,</a:t>
+            </a:r>
+            <a:r>
+              <a:rPr lang="vi-VN" dirty="0" smtClean="0"/>
+              <a:t> các </a:t>
+            </a:r>
+            <a:r>
+              <a:rPr lang="vi-VN" dirty="0" smtClean="0"/>
+              <a:t>bạn cần làm là thay đổi tư thế trong vòng </a:t>
             </a:r>
             <a:r>
               <a:rPr lang="en-US" dirty="0" smtClean="0"/>
@@ -625,12 +733,28 @@
           </a:p>
           <a:p>
             <a:r>
+              <a:rPr lang="en-US" dirty="0" smtClean="0"/>
+              <a:t>Hi </a:t>
+            </a:r>
+            <a:r>
               <a:rPr lang="en-US" dirty="0" err="1" smtClean="0"/>
-              <a:t>Sau</a:t>
+              <a:t>vọng</a:t>
             </a:r>
             <a:r>
               <a:rPr lang="en-US" dirty="0" smtClean="0"/>
-              <a:t> 1 </a:t>
+              <a:t> </a:t>
+            </a:r>
+            <a:r>
+              <a:rPr lang="en-US" dirty="0" err="1" smtClean="0"/>
+              <a:t>sau</a:t>
+            </a:r>
+            <a:r>
+              <a:rPr lang="en-US" dirty="0" smtClean="0"/>
+              <a:t> </a:t>
+            </a:r>
+            <a:r>
+              <a:rPr lang="en-US" dirty="0" smtClean="0"/>
+              <a:t>1 </a:t>
             </a:r>
             <a:r>
               <a:rPr lang="en-US" dirty="0" err="1" smtClean="0"/>
@@ -642,22 +766,6 @@
             </a:r>
             <a:r>
               <a:rPr lang="en-US" dirty="0" err="1" smtClean="0"/>
-              <a:t>tôi</a:t>
-            </a:r>
-            <a:r>
-              <a:rPr lang="en-US" dirty="0" smtClean="0"/>
-              <a:t> hi </a:t>
-            </a:r>
-            <a:r>
-              <a:rPr lang="en-US" dirty="0" err="1" smtClean="0"/>
-              <a:t>vọng</a:t>
-            </a:r>
-            <a:r>
-              <a:rPr lang="en-US" dirty="0" smtClean="0"/>
-              <a:t> </a:t>
-            </a:r>
-            <a:r>
-              <a:rPr lang="en-US" dirty="0" err="1" smtClean="0"/>
               <a:t>bạn</a:t>
             </a:r>
             <a:r>
@@ -682,10 +790,18 @@
             </a:r>
             <a:r>
               <a:rPr lang="en-US" dirty="0" err="1" smtClean="0"/>
-              <a:t>nó</a:t>
-            </a:r>
-            <a:r>
-              <a:rPr lang="en-US" dirty="0" smtClean="0"/>
+              <a:t>cơ</a:t>
+            </a:r>
+            <a:r>
+              <a:rPr lang="en-US" baseline="0" dirty="0" smtClean="0"/>
+              <a:t> </a:t>
+            </a:r>
+            <a:r>
+              <a:rPr lang="en-US" baseline="0" dirty="0" err="1" smtClean="0"/>
+              <a:t>thể</a:t>
+            </a:r>
+            <a:r>
+              <a:rPr lang="en-US" baseline="0" dirty="0" smtClean="0"/>
               <a:t> </a:t>
             </a:r>
             <a:r>
@@ -707,14 +823,6 @@
             <a:r>
               <a:rPr lang="en-US" dirty="0" err="1" smtClean="0"/>
               <a:t>đổi</a:t>
-            </a:r>
-            <a:r>
-              <a:rPr lang="en-US" dirty="0" smtClean="0"/>
-              <a:t> </a:t>
-            </a:r>
-            <a:r>
-              <a:rPr lang="en-US" dirty="0" err="1" smtClean="0"/>
-              <a:t>lớn</a:t>
             </a:r>
             <a:r>
               <a:rPr lang="en-US" dirty="0" smtClean="0"/>
@@ -759,8 +867,84 @@
           </a:p>
           <a:p>
             <a:r>
+              <a:rPr lang="en-US" dirty="0" err="1" smtClean="0"/>
+              <a:t>Đối</a:t>
+            </a:r>
+            <a:r>
+              <a:rPr lang="en-US" baseline="0" dirty="0" smtClean="0"/>
+              <a:t> </a:t>
+            </a:r>
+            <a:r>
+              <a:rPr lang="en-US" baseline="0" dirty="0" err="1" smtClean="0"/>
+              <a:t>với</a:t>
+            </a:r>
+            <a:r>
+              <a:rPr lang="en-US" baseline="0" dirty="0" smtClean="0"/>
+              <a:t> </a:t>
+            </a:r>
+            <a:r>
               <a:rPr lang="vi-VN" dirty="0" smtClean="0"/>
-              <a:t>Trong một bài thuyết trình ngoài nội dung, trình bày, giọng nói và ngữ điệu, thì ngôn ngữ cơ thể cũng đóng vai trò vô cùng quan trọng</a:t>
+              <a:t>một </a:t>
+            </a:r>
+            <a:r>
+              <a:rPr lang="vi-VN" dirty="0" smtClean="0"/>
+              <a:t>bài thuyết </a:t>
+            </a:r>
+            <a:r>
+              <a:rPr lang="vi-VN" dirty="0" smtClean="0"/>
+              <a:t>trình</a:t>
+            </a:r>
+            <a:r>
+              <a:rPr lang="en-US" dirty="0" smtClean="0"/>
+              <a:t> </a:t>
+            </a:r>
+            <a:r>
+              <a:rPr lang="en-US" dirty="0" err="1" smtClean="0"/>
+              <a:t>thành</a:t>
+            </a:r>
+            <a:r>
+              <a:rPr lang="en-US" baseline="0" dirty="0" smtClean="0"/>
+              <a:t> </a:t>
+            </a:r>
+            <a:r>
+              <a:rPr lang="en-US" baseline="0" dirty="0" err="1" smtClean="0"/>
+              <a:t>công</a:t>
+            </a:r>
+            <a:r>
+              <a:rPr lang="en-US" baseline="0" dirty="0" smtClean="0"/>
+              <a:t> </a:t>
+            </a:r>
+            <a:r>
+              <a:rPr lang="en-US" baseline="0" dirty="0" err="1" smtClean="0"/>
+              <a:t>thì</a:t>
+            </a:r>
+            <a:r>
+              <a:rPr lang="vi-VN" dirty="0" smtClean="0"/>
+              <a:t> </a:t>
+            </a:r>
+            <a:r>
+              <a:rPr lang="vi-VN" dirty="0" smtClean="0"/>
+              <a:t>ngoài nội dung, </a:t>
+            </a:r>
+            <a:r>
+              <a:rPr lang="en-US" dirty="0" smtClean="0"/>
+              <a:t> </a:t>
+            </a:r>
+            <a:r>
+              <a:rPr lang="en-US" dirty="0" err="1" smtClean="0"/>
+              <a:t>cách</a:t>
+            </a:r>
+            <a:r>
+              <a:rPr lang="en-US" baseline="0" dirty="0" smtClean="0"/>
+              <a:t> </a:t>
+            </a:r>
+            <a:r>
+              <a:rPr lang="vi-VN" dirty="0" smtClean="0"/>
+              <a:t>trình </a:t>
+            </a:r>
+            <a:r>
+              <a:rPr lang="vi-VN" dirty="0" smtClean="0"/>
+              <a:t>bày, giọng nói và ngữ điệu, thì ngôn ngữ cơ thể cũng đóng vai trò vô cùng quan trọng</a:t>
             </a:r>
           </a:p>
           <a:p>
@@ -2316,14 +2500,6 @@
             <a:br>
               <a:rPr lang="en-US" baseline="0" dirty="0" smtClean="0"/>
             </a:br>
-            <a:r>
-              <a:rPr lang="en-US" baseline="0" dirty="0" err="1" smtClean="0"/>
-              <a:t>Và</a:t>
-            </a:r>
-            <a:r>
-              <a:rPr lang="en-US" baseline="0" dirty="0" smtClean="0"/>
-              <a:t> </a:t>
-            </a:r>
             <a:r>
               <a:rPr lang="en-US" baseline="0" dirty="0" err="1" smtClean="0"/>
               <a:t>bạn</a:t>
@@ -11884,12 +12060,6 @@
               </a:rPr>
               <a:t>Body Language</a:t>
             </a:r>
-            <a:endParaRPr lang="en-US" sz="4000" dirty="0">
-              <a:solidFill>
-                <a:srgbClr val="36B5CC"/>
-              </a:solidFill>
-              <a:latin typeface="Franklin Gothic Medium" panose="020B0603020102020204" pitchFamily="34" charset="0"/>
-            </a:endParaRPr>
           </a:p>
         </p:txBody>
       </p:sp>
@@ -12203,18 +12373,7 @@
                 <a:ea typeface="Candara" charset="0"/>
                 <a:cs typeface="Candara" charset="0"/>
               </a:rPr>
-              <a:t>1. </a:t>
-            </a:r>
-            <a:r>
-              <a:rPr lang="en-US" sz="2800" b="1" dirty="0" smtClean="0">
-                <a:solidFill>
-                  <a:srgbClr val="36B5CC"/>
-                </a:solidFill>
-                <a:latin typeface="Candara" charset="0"/>
-                <a:ea typeface="Candara" charset="0"/>
-                <a:cs typeface="Candara" charset="0"/>
-              </a:rPr>
-              <a:t>Chest, arms and back</a:t>
+              <a:t>1. Chest, arms and back</a:t>
             </a:r>
             <a:endParaRPr lang="en-US" sz="2800" b="1" dirty="0">
               <a:solidFill>
@@ -12382,18 +12541,7 @@
                 <a:ea typeface="Candara" charset="0"/>
                 <a:cs typeface="Candara" charset="0"/>
               </a:rPr>
-              <a:t>2. </a:t>
-            </a:r>
-            <a:r>
-              <a:rPr lang="en-US" sz="2800" b="1" dirty="0" smtClean="0">
-                <a:solidFill>
-                  <a:srgbClr val="36B5CC"/>
-                </a:solidFill>
-                <a:latin typeface="Candara" charset="0"/>
-                <a:ea typeface="Candara" charset="0"/>
-                <a:cs typeface="Candara" charset="0"/>
-              </a:rPr>
-              <a:t>Smile</a:t>
+              <a:t>2. Smile</a:t>
             </a:r>
             <a:endParaRPr lang="en-US" sz="2800" b="1" dirty="0">
               <a:solidFill>
@@ -12561,18 +12709,7 @@
                 <a:ea typeface="Candara" charset="0"/>
                 <a:cs typeface="Candara" charset="0"/>
               </a:rPr>
-              <a:t>3. </a:t>
-            </a:r>
-            <a:r>
-              <a:rPr lang="en-US" sz="2800" b="1" dirty="0" smtClean="0">
-                <a:solidFill>
-                  <a:srgbClr val="36B5CC"/>
-                </a:solidFill>
-                <a:latin typeface="Candara" charset="0"/>
-                <a:ea typeface="Candara" charset="0"/>
-                <a:cs typeface="Candara" charset="0"/>
-              </a:rPr>
-              <a:t>Walk</a:t>
+              <a:t>3. Walk</a:t>
             </a:r>
             <a:endParaRPr lang="en-US" sz="2800" b="1" dirty="0">
               <a:solidFill>

--- a/Power Body Language.pptx
+++ b/Power Body Language.pptx
@@ -542,11 +542,7 @@
             </a:r>
             <a:r>
               <a:rPr lang="vi-VN" dirty="0" smtClean="0"/>
-              <a:t>rất </a:t>
-            </a:r>
-            <a:r>
-              <a:rPr lang="vi-VN" dirty="0" smtClean="0"/>
-              <a:t>vui được gặp mọi người ở đây</a:t>
+              <a:t>rất vui được gặp mọi người ở đây</a:t>
             </a:r>
           </a:p>
           <a:p>
@@ -560,11 +556,7 @@
             </a:r>
             <a:r>
               <a:rPr lang="vi-VN" dirty="0" smtClean="0"/>
-              <a:t> </a:t>
-            </a:r>
-            <a:r>
-              <a:rPr lang="vi-VN" dirty="0" smtClean="0"/>
-              <a:t>xin giới thiệu về những mẹo nhỏ để chúng ta có bài</a:t>
+              <a:t> xin giới thiệu về những mẹo nhỏ để chúng ta có bài</a:t>
             </a:r>
             <a:r>
               <a:rPr lang="en-US" dirty="0" smtClean="0"/>
@@ -598,11 +590,7 @@
             </a:r>
             <a:r>
               <a:rPr lang="vi-VN" dirty="0" smtClean="0"/>
-              <a:t> </a:t>
-            </a:r>
-            <a:r>
-              <a:rPr lang="vi-VN" dirty="0" smtClean="0"/>
-              <a:t>chủ đề ngày hôm nay đó là Sức mạnh ngôn ngữ cơ thể</a:t>
+              <a:t> chủ đề ngày hôm nay đó là Sức mạnh ngôn ngữ cơ thể</a:t>
             </a:r>
           </a:p>
           <a:p>
@@ -656,11 +644,7 @@
             </a:r>
             <a:r>
               <a:rPr lang="vi-VN" dirty="0" smtClean="0"/>
-              <a:t>:Nghệ </a:t>
-            </a:r>
-            <a:r>
-              <a:rPr lang="vi-VN" dirty="0" smtClean="0"/>
-              <a:t>Pham</a:t>
+              <a:t>:Nghệ Pham</a:t>
             </a:r>
             <a:r>
               <a:rPr lang="en-US" dirty="0" smtClean="0"/>
@@ -699,15 +683,7 @@
             </a:r>
             <a:r>
               <a:rPr lang="vi-VN" dirty="0" smtClean="0"/>
-              <a:t> có </a:t>
-            </a:r>
-            <a:r>
-              <a:rPr lang="vi-VN" dirty="0" smtClean="0"/>
-              <a:t>đề nghị </a:t>
-            </a:r>
-            <a:r>
-              <a:rPr lang="vi-VN" dirty="0" smtClean="0"/>
-              <a:t>nhỏ</a:t>
+              <a:t> có đề nghị nhỏ</a:t>
             </a:r>
             <a:r>
               <a:rPr lang="en-US" dirty="0" smtClean="0"/>
@@ -715,11 +691,7 @@
             </a:r>
             <a:r>
               <a:rPr lang="vi-VN" dirty="0" smtClean="0"/>
-              <a:t> các </a:t>
-            </a:r>
-            <a:r>
-              <a:rPr lang="vi-VN" dirty="0" smtClean="0"/>
-              <a:t>bạn cần làm là thay đổi tư thế trong vòng </a:t>
+              <a:t> các bạn cần làm là thay đổi tư thế trong vòng </a:t>
             </a:r>
             <a:r>
               <a:rPr lang="en-US" dirty="0" smtClean="0"/>
@@ -727,7 +699,39 @@
             </a:r>
             <a:r>
               <a:rPr lang="vi-VN" dirty="0" smtClean="0"/>
-              <a:t>phút, và các bạn nhìn vào cơ thể mình và xem mình đang làm gì với nó, Có bao nhiêu bạn đang thu hẹp bản thân mình lại, có thể bạn đang gù lưng, vắt chân, hoặc chúng ta khoan tay lại phía trước.</a:t>
+              <a:t>phút, và các bạn nhìn vào cơ thể mình và xem mình đang làm gì với nó, Có </a:t>
+            </a:r>
+            <a:r>
+              <a:rPr lang="en-US" dirty="0" err="1" smtClean="0"/>
+              <a:t>thể</a:t>
+            </a:r>
+            <a:r>
+              <a:rPr lang="en-US" baseline="0" dirty="0" smtClean="0"/>
+              <a:t> </a:t>
+            </a:r>
+            <a:r>
+              <a:rPr lang="en-US" baseline="0" dirty="0" err="1" smtClean="0"/>
+              <a:t>bạn</a:t>
+            </a:r>
+            <a:r>
+              <a:rPr lang="en-US" baseline="0" dirty="0" smtClean="0"/>
+              <a:t> </a:t>
+            </a:r>
+            <a:r>
+              <a:rPr lang="vi-VN" dirty="0" smtClean="0"/>
+              <a:t>đang </a:t>
+            </a:r>
+            <a:r>
+              <a:rPr lang="vi-VN" dirty="0" smtClean="0"/>
+              <a:t>thu hẹp bản thân mình lại, </a:t>
+            </a:r>
+            <a:r>
+              <a:rPr lang="vi-VN" dirty="0" smtClean="0"/>
+              <a:t>đang </a:t>
+            </a:r>
+            <a:r>
+              <a:rPr lang="vi-VN" dirty="0" smtClean="0"/>
+              <a:t>gù lưng, vắt chân, hoặc chúng ta khoan tay lại phía trước.</a:t>
             </a:r>
             <a:endParaRPr lang="en-US" dirty="0" smtClean="0"/>
           </a:p>
@@ -750,11 +754,7 @@
             </a:r>
             <a:r>
               <a:rPr lang="en-US" dirty="0" smtClean="0"/>
-              <a:t> </a:t>
-            </a:r>
-            <a:r>
-              <a:rPr lang="en-US" dirty="0" smtClean="0"/>
-              <a:t>1 </a:t>
+              <a:t> 1 </a:t>
             </a:r>
             <a:r>
               <a:rPr lang="en-US" dirty="0" err="1" smtClean="0"/>
@@ -823,6 +823,22 @@
             <a:r>
               <a:rPr lang="en-US" dirty="0" err="1" smtClean="0"/>
               <a:t>đổi</a:t>
+            </a:r>
+            <a:r>
+              <a:rPr lang="en-US" dirty="0" smtClean="0"/>
+              <a:t> </a:t>
+            </a:r>
+            <a:r>
+              <a:rPr lang="en-US" dirty="0" err="1" smtClean="0"/>
+              <a:t>khác</a:t>
+            </a:r>
+            <a:r>
+              <a:rPr lang="en-US" baseline="0" dirty="0" smtClean="0"/>
+              <a:t> </a:t>
+            </a:r>
+            <a:r>
+              <a:rPr lang="en-US" baseline="0" dirty="0" err="1" smtClean="0"/>
+              <a:t>đi</a:t>
             </a:r>
             <a:r>
               <a:rPr lang="en-US" dirty="0" smtClean="0"/>
@@ -884,15 +900,7 @@
             </a:r>
             <a:r>
               <a:rPr lang="vi-VN" dirty="0" smtClean="0"/>
-              <a:t>một </a:t>
-            </a:r>
-            <a:r>
-              <a:rPr lang="vi-VN" dirty="0" smtClean="0"/>
-              <a:t>bài thuyết </a:t>
-            </a:r>
-            <a:r>
-              <a:rPr lang="vi-VN" dirty="0" smtClean="0"/>
-              <a:t>trình</a:t>
+              <a:t>một bài thuyết trình</a:t>
             </a:r>
             <a:r>
               <a:rPr lang="en-US" dirty="0" smtClean="0"/>
@@ -920,11 +928,7 @@
             </a:r>
             <a:r>
               <a:rPr lang="vi-VN" dirty="0" smtClean="0"/>
-              <a:t> </a:t>
-            </a:r>
-            <a:r>
-              <a:rPr lang="vi-VN" dirty="0" smtClean="0"/>
-              <a:t>ngoài nội dung, </a:t>
+              <a:t> ngoài nội dung, </a:t>
             </a:r>
             <a:r>
               <a:rPr lang="en-US" dirty="0" smtClean="0"/>
@@ -940,11 +944,7 @@
             </a:r>
             <a:r>
               <a:rPr lang="vi-VN" dirty="0" smtClean="0"/>
-              <a:t>trình </a:t>
-            </a:r>
-            <a:r>
-              <a:rPr lang="vi-VN" dirty="0" smtClean="0"/>
-              <a:t>bày, giọng nói và ngữ điệu, thì ngôn ngữ cơ thể cũng đóng vai trò vô cùng quan trọng</a:t>
+              <a:t>trình bày, giọng nói và ngữ điệu, thì ngôn ngữ cơ thể cũng đóng vai trò vô cùng quan trọng</a:t>
             </a:r>
           </a:p>
           <a:p>
@@ -1282,7 +1282,43 @@
           <a:p>
             <a:r>
               <a:rPr lang="en-US" dirty="0" err="1" smtClean="0"/>
-              <a:t>Tăng</a:t>
+              <a:t>Làm</a:t>
+            </a:r>
+            <a:r>
+              <a:rPr lang="en-US" baseline="0" dirty="0" smtClean="0"/>
+              <a:t> </a:t>
+            </a:r>
+            <a:r>
+              <a:rPr lang="en-US" baseline="0" dirty="0" err="1" smtClean="0"/>
+              <a:t>thế</a:t>
+            </a:r>
+            <a:r>
+              <a:rPr lang="en-US" baseline="0" dirty="0" smtClean="0"/>
+              <a:t> </a:t>
+            </a:r>
+            <a:r>
+              <a:rPr lang="en-US" baseline="0" dirty="0" err="1" smtClean="0"/>
+              <a:t>nào</a:t>
+            </a:r>
+            <a:r>
+              <a:rPr lang="en-US" baseline="0" dirty="0" smtClean="0"/>
+              <a:t> </a:t>
+            </a:r>
+            <a:r>
+              <a:rPr lang="en-US" baseline="0" dirty="0" err="1" smtClean="0"/>
+              <a:t>để</a:t>
+            </a:r>
+            <a:r>
+              <a:rPr lang="en-US" baseline="0" dirty="0" smtClean="0"/>
+              <a:t> </a:t>
+            </a:r>
+            <a:r>
+              <a:rPr lang="en-US" baseline="0" dirty="0" err="1" smtClean="0"/>
+              <a:t>t</a:t>
+            </a:r>
+            <a:r>
+              <a:rPr lang="en-US" dirty="0" err="1" smtClean="0"/>
+              <a:t>ăng</a:t>
             </a:r>
             <a:r>
               <a:rPr lang="en-US" baseline="0" dirty="0" smtClean="0"/>
@@ -1349,27 +1385,51 @@
             </a:pPr>
             <a:r>
               <a:rPr lang="en-US" baseline="0" dirty="0" err="1" smtClean="0"/>
-              <a:t>Đầu</a:t>
-            </a:r>
-            <a:r>
-              <a:rPr lang="en-US" baseline="0" dirty="0" smtClean="0"/>
-              <a:t> </a:t>
-            </a:r>
-            <a:r>
-              <a:rPr lang="en-US" baseline="0" dirty="0" err="1" smtClean="0"/>
-              <a:t>tiên</a:t>
-            </a:r>
-            <a:r>
-              <a:rPr lang="en-US" baseline="0" dirty="0" smtClean="0"/>
-              <a:t> </a:t>
-            </a:r>
-            <a:r>
-              <a:rPr lang="en-US" baseline="0" dirty="0" err="1" smtClean="0"/>
-              <a:t>tôi</a:t>
-            </a:r>
-            <a:r>
-              <a:rPr lang="en-US" baseline="0" dirty="0" smtClean="0"/>
-              <a:t> </a:t>
+              <a:t>Khi</a:t>
+            </a:r>
+            <a:r>
+              <a:rPr lang="en-US" baseline="0" dirty="0" smtClean="0"/>
+              <a:t> </a:t>
+            </a:r>
+            <a:r>
+              <a:rPr lang="en-US" baseline="0" dirty="0" err="1" smtClean="0"/>
+              <a:t>chúng</a:t>
+            </a:r>
+            <a:r>
+              <a:rPr lang="en-US" baseline="0" dirty="0" smtClean="0"/>
+              <a:t> ta </a:t>
+            </a:r>
+            <a:r>
+              <a:rPr lang="en-US" baseline="0" dirty="0" err="1" smtClean="0"/>
+              <a:t>đứng</a:t>
+            </a:r>
+            <a:r>
+              <a:rPr lang="en-US" baseline="0" dirty="0" smtClean="0"/>
+              <a:t> </a:t>
+            </a:r>
+            <a:r>
+              <a:rPr lang="en-US" baseline="0" dirty="0" err="1" smtClean="0"/>
+              <a:t>trước</a:t>
+            </a:r>
+            <a:r>
+              <a:rPr lang="en-US" baseline="0" dirty="0" smtClean="0"/>
+              <a:t> </a:t>
+            </a:r>
+            <a:r>
+              <a:rPr lang="en-US" baseline="0" dirty="0" err="1" smtClean="0"/>
+              <a:t>sợ</a:t>
+            </a:r>
+            <a:r>
+              <a:rPr lang="en-US" baseline="0" dirty="0" smtClean="0"/>
+              <a:t> </a:t>
+            </a:r>
+            <a:r>
+              <a:rPr lang="en-US" baseline="0" dirty="0" err="1" smtClean="0"/>
+              <a:t>hãi</a:t>
+            </a:r>
+            <a:r>
+              <a:rPr lang="en-US" baseline="0" dirty="0" smtClean="0"/>
+              <a:t>, minh </a:t>
             </a:r>
             <a:r>
               <a:rPr lang="en-US" baseline="0" dirty="0" err="1" smtClean="0"/>
@@ -1449,7 +1509,35 @@
             </a:r>
             <a:r>
               <a:rPr lang="en-US" baseline="0" dirty="0" smtClean="0"/>
-              <a:t> ta </a:t>
+              <a:t> </a:t>
+            </a:r>
+            <a:r>
+              <a:rPr lang="en-US" baseline="0" dirty="0" smtClean="0"/>
+              <a:t>ta </a:t>
+            </a:r>
+            <a:r>
+              <a:rPr lang="en-US" baseline="0" dirty="0" err="1" smtClean="0"/>
+              <a:t>có</a:t>
+            </a:r>
+            <a:r>
+              <a:rPr lang="en-US" baseline="0" dirty="0" smtClean="0"/>
+              <a:t> </a:t>
+            </a:r>
+            <a:r>
+              <a:rPr lang="en-US" baseline="0" dirty="0" err="1" smtClean="0"/>
+              <a:t>khuynh</a:t>
+            </a:r>
+            <a:r>
+              <a:rPr lang="en-US" baseline="0" dirty="0" smtClean="0"/>
+              <a:t> </a:t>
+            </a:r>
+            <a:r>
+              <a:rPr lang="en-US" baseline="0" dirty="0" err="1" smtClean="0"/>
+              <a:t>hướng</a:t>
+            </a:r>
+            <a:r>
+              <a:rPr lang="en-US" baseline="0" dirty="0" smtClean="0"/>
+              <a:t> </a:t>
             </a:r>
             <a:r>
               <a:rPr lang="en-US" baseline="0" dirty="0" err="1" smtClean="0"/>
@@ -1643,6 +1731,14 @@
             </a:r>
             <a:r>
               <a:rPr lang="en-US" baseline="0" dirty="0" err="1" smtClean="0"/>
+              <a:t>mà</a:t>
+            </a:r>
+            <a:r>
+              <a:rPr lang="en-US" baseline="0" dirty="0" smtClean="0"/>
+              <a:t> </a:t>
+            </a:r>
+            <a:r>
+              <a:rPr lang="en-US" baseline="0" dirty="0" err="1" smtClean="0"/>
               <a:t>khi</a:t>
             </a:r>
             <a:r>
@@ -1899,7 +1995,7 @@
             </a:r>
             <a:r>
               <a:rPr lang="en-US" baseline="0" dirty="0" err="1" smtClean="0"/>
-              <a:t>mội</a:t>
+              <a:t>mọi</a:t>
             </a:r>
             <a:r>
               <a:rPr lang="en-US" baseline="0" dirty="0" smtClean="0"/>
@@ -1931,6 +2027,30 @@
             </a:r>
             <a:r>
               <a:rPr lang="en-US" baseline="0" dirty="0" err="1" smtClean="0"/>
+              <a:t>sẽ</a:t>
+            </a:r>
+            <a:r>
+              <a:rPr lang="en-US" baseline="0" dirty="0" smtClean="0"/>
+              <a:t> </a:t>
+            </a:r>
+            <a:r>
+              <a:rPr lang="en-US" baseline="0" dirty="0" err="1" smtClean="0"/>
+              <a:t>trở</a:t>
+            </a:r>
+            <a:r>
+              <a:rPr lang="en-US" baseline="0" dirty="0" smtClean="0"/>
+              <a:t> </a:t>
+            </a:r>
+            <a:r>
+              <a:rPr lang="en-US" baseline="0" dirty="0" err="1" smtClean="0"/>
+              <a:t>nên</a:t>
+            </a:r>
+            <a:r>
+              <a:rPr lang="en-US" baseline="0" dirty="0" smtClean="0"/>
+              <a:t> </a:t>
+            </a:r>
+            <a:r>
+              <a:rPr lang="en-US" baseline="0" dirty="0" err="1" smtClean="0"/>
               <a:t>muốn</a:t>
             </a:r>
             <a:r>
@@ -1967,7 +2087,27 @@
             </a:r>
             <a:r>
               <a:rPr lang="en-US" baseline="0" dirty="0" smtClean="0"/>
-              <a:t>. VD: </a:t>
+              <a:t> </a:t>
+            </a:r>
+            <a:r>
+              <a:rPr lang="en-US" baseline="0" dirty="0" err="1" smtClean="0"/>
+              <a:t>đúng</a:t>
+            </a:r>
+            <a:r>
+              <a:rPr lang="en-US" baseline="0" dirty="0" smtClean="0"/>
+              <a:t> </a:t>
+            </a:r>
+            <a:r>
+              <a:rPr lang="en-US" baseline="0" dirty="0" err="1" smtClean="0"/>
+              <a:t>không</a:t>
+            </a:r>
+            <a:r>
+              <a:rPr lang="en-US" baseline="0" dirty="0" smtClean="0"/>
+              <a:t> ạ? </a:t>
+            </a:r>
+            <a:r>
+              <a:rPr lang="en-US" baseline="0" dirty="0" smtClean="0"/>
+              <a:t>VD: </a:t>
             </a:r>
             <a:r>
               <a:rPr lang="en-US" baseline="0" dirty="0" err="1" smtClean="0"/>
@@ -2074,16 +2214,20 @@
               <a:t> </a:t>
             </a:r>
             <a:r>
-              <a:rPr lang="en-US" baseline="0" dirty="0" err="1" smtClean="0"/>
-              <a:t>cơ</a:t>
-            </a:r>
-            <a:r>
-              <a:rPr lang="en-US" baseline="0" dirty="0" smtClean="0"/>
-              <a:t> </a:t>
-            </a:r>
-            <a:r>
-              <a:rPr lang="en-US" baseline="0" dirty="0" err="1" smtClean="0"/>
-              <a:t>thể</a:t>
+              <a:rPr lang="en-US" baseline="0" dirty="0" smtClean="0"/>
+              <a:t>2 </a:t>
+            </a:r>
+            <a:r>
+              <a:rPr lang="en-US" baseline="0" dirty="0" err="1" smtClean="0"/>
+              <a:t>cánh</a:t>
+            </a:r>
+            <a:r>
+              <a:rPr lang="en-US" baseline="0" dirty="0" smtClean="0"/>
+              <a:t> </a:t>
+            </a:r>
+            <a:r>
+              <a:rPr lang="en-US" baseline="0" dirty="0" err="1" smtClean="0"/>
+              <a:t>tay</a:t>
             </a:r>
             <a:r>
               <a:rPr lang="en-US" baseline="0" dirty="0" smtClean="0"/>
@@ -2103,11 +2247,15 @@
             </a:r>
             <a:r>
               <a:rPr lang="en-US" baseline="0" dirty="0" smtClean="0"/>
-              <a:t> V (</a:t>
-            </a:r>
-            <a:r>
-              <a:rPr lang="en-US" baseline="0" dirty="0" err="1" smtClean="0"/>
-              <a:t>nó</a:t>
+              <a:t> V </a:t>
+            </a:r>
+            <a:r>
+              <a:rPr lang="en-US" baseline="0" dirty="0" smtClean="0"/>
+              <a:t>(ah </a:t>
+            </a:r>
+            <a:r>
+              <a:rPr lang="en-US" baseline="0" dirty="0" err="1" smtClean="0"/>
+              <a:t>việc</a:t>
             </a:r>
             <a:r>
               <a:rPr lang="en-US" baseline="0" dirty="0" smtClean="0"/>
@@ -2123,14 +2271,6 @@
             </a:r>
             <a:r>
               <a:rPr lang="en-US" baseline="0" dirty="0" err="1" smtClean="0"/>
-              <a:t>tôi</a:t>
-            </a:r>
-            <a:r>
-              <a:rPr lang="en-US" baseline="0" dirty="0" smtClean="0"/>
-              <a:t> </a:t>
-            </a:r>
-            <a:r>
-              <a:rPr lang="en-US" baseline="0" dirty="0" err="1" smtClean="0"/>
               <a:t>liên</a:t>
             </a:r>
             <a:r>
@@ -2148,6 +2288,38 @@
             <a:r>
               <a:rPr lang="en-US" baseline="0" dirty="0" err="1" smtClean="0"/>
               <a:t>tới</a:t>
+            </a:r>
+            <a:r>
+              <a:rPr lang="en-US" baseline="0" dirty="0" smtClean="0"/>
+              <a:t> </a:t>
+            </a:r>
+            <a:r>
+              <a:rPr lang="en-US" baseline="0" dirty="0" err="1" smtClean="0"/>
+              <a:t>những</a:t>
+            </a:r>
+            <a:r>
+              <a:rPr lang="en-US" baseline="0" dirty="0" smtClean="0"/>
+              <a:t> </a:t>
+            </a:r>
+            <a:r>
+              <a:rPr lang="en-US" baseline="0" dirty="0" err="1" smtClean="0"/>
+              <a:t>cậu</a:t>
+            </a:r>
+            <a:r>
+              <a:rPr lang="en-US" baseline="0" dirty="0" smtClean="0"/>
+              <a:t> </a:t>
+            </a:r>
+            <a:r>
+              <a:rPr lang="en-US" baseline="0" dirty="0" err="1" smtClean="0"/>
+              <a:t>thủ</a:t>
+            </a:r>
+            <a:r>
+              <a:rPr lang="en-US" baseline="0" dirty="0" smtClean="0"/>
+              <a:t> </a:t>
+            </a:r>
+            <a:r>
+              <a:rPr lang="en-US" baseline="0" dirty="0" err="1" smtClean="0"/>
+              <a:t>trong</a:t>
             </a:r>
             <a:r>
               <a:rPr lang="en-US" baseline="0" dirty="0" smtClean="0"/>
@@ -2193,7 +2365,492 @@
             </a:r>
             <a:r>
               <a:rPr lang="en-US" baseline="0" dirty="0" err="1" smtClean="0"/>
-              <a:t>Từ</a:t>
+              <a:t>khi</a:t>
+            </a:r>
+            <a:r>
+              <a:rPr lang="en-US" baseline="0" dirty="0" smtClean="0"/>
+              <a:t> </a:t>
+            </a:r>
+            <a:r>
+              <a:rPr lang="en-US" baseline="0" dirty="0" err="1" smtClean="0"/>
+              <a:t>bạn</a:t>
+            </a:r>
+            <a:r>
+              <a:rPr lang="en-US" baseline="0" dirty="0" smtClean="0"/>
+              <a:t> </a:t>
+            </a:r>
+            <a:r>
+              <a:rPr lang="en-US" baseline="0" dirty="0" err="1" smtClean="0"/>
+              <a:t>mở</a:t>
+            </a:r>
+            <a:r>
+              <a:rPr lang="en-US" baseline="0" dirty="0" smtClean="0"/>
+              <a:t> </a:t>
+            </a:r>
+            <a:r>
+              <a:rPr lang="en-US" baseline="0" dirty="0" err="1" smtClean="0"/>
+              <a:t>rộng</a:t>
+            </a:r>
+            <a:r>
+              <a:rPr lang="en-US" baseline="0" dirty="0" smtClean="0"/>
+              <a:t> </a:t>
+            </a:r>
+            <a:r>
+              <a:rPr lang="en-US" baseline="0" dirty="0" err="1" smtClean="0"/>
+              <a:t>vai</a:t>
+            </a:r>
+            <a:r>
+              <a:rPr lang="en-US" baseline="0" dirty="0" smtClean="0"/>
+              <a:t> </a:t>
+            </a:r>
+            <a:r>
+              <a:rPr lang="en-US" baseline="0" dirty="0" err="1" smtClean="0"/>
+              <a:t>cùng</a:t>
+            </a:r>
+            <a:r>
+              <a:rPr lang="en-US" baseline="0" dirty="0" smtClean="0"/>
+              <a:t> </a:t>
+            </a:r>
+            <a:r>
+              <a:rPr lang="en-US" baseline="0" dirty="0" err="1" smtClean="0"/>
+              <a:t>cánh</a:t>
+            </a:r>
+            <a:r>
+              <a:rPr lang="en-US" baseline="0" dirty="0" smtClean="0"/>
+              <a:t> </a:t>
+            </a:r>
+            <a:r>
+              <a:rPr lang="en-US" baseline="0" dirty="0" err="1" smtClean="0"/>
+              <a:t>tay</a:t>
+            </a:r>
+            <a:r>
+              <a:rPr lang="en-US" baseline="0" dirty="0" smtClean="0"/>
+              <a:t>, </a:t>
+            </a:r>
+            <a:r>
+              <a:rPr lang="en-US" baseline="0" dirty="0" err="1" smtClean="0"/>
+              <a:t>và</a:t>
+            </a:r>
+            <a:r>
+              <a:rPr lang="en-US" baseline="0" dirty="0" smtClean="0"/>
+              <a:t> </a:t>
+            </a:r>
+            <a:r>
+              <a:rPr lang="en-US" baseline="0" dirty="0" err="1" smtClean="0"/>
+              <a:t>thẳng</a:t>
+            </a:r>
+            <a:r>
+              <a:rPr lang="en-US" baseline="0" dirty="0" smtClean="0"/>
+              <a:t> </a:t>
+            </a:r>
+            <a:r>
+              <a:rPr lang="en-US" baseline="0" dirty="0" err="1" smtClean="0"/>
+              <a:t>lưng</a:t>
+            </a:r>
+            <a:r>
+              <a:rPr lang="en-US" baseline="0" dirty="0" smtClean="0"/>
+              <a:t> </a:t>
+            </a:r>
+            <a:r>
+              <a:rPr lang="en-US" baseline="0" dirty="0" err="1" smtClean="0"/>
+              <a:t>lên</a:t>
+            </a:r>
+            <a:r>
+              <a:rPr lang="en-US" baseline="0" dirty="0" smtClean="0"/>
+              <a:t>, </a:t>
+            </a:r>
+            <a:r>
+              <a:rPr lang="en-US" baseline="0" dirty="0" err="1" smtClean="0"/>
+              <a:t>sẽ</a:t>
+            </a:r>
+            <a:r>
+              <a:rPr lang="en-US" baseline="0" dirty="0" smtClean="0"/>
+              <a:t> </a:t>
+            </a:r>
+            <a:r>
+              <a:rPr lang="en-US" baseline="0" dirty="0" err="1" smtClean="0"/>
+              <a:t>giúp</a:t>
+            </a:r>
+            <a:r>
+              <a:rPr lang="en-US" baseline="0" dirty="0" smtClean="0"/>
+              <a:t> </a:t>
+            </a:r>
+            <a:r>
+              <a:rPr lang="en-US" baseline="0" dirty="0" err="1" smtClean="0"/>
+              <a:t>bạn</a:t>
+            </a:r>
+            <a:r>
+              <a:rPr lang="en-US" baseline="0" dirty="0" smtClean="0"/>
+              <a:t> </a:t>
+            </a:r>
+            <a:r>
+              <a:rPr lang="en-US" baseline="0" dirty="0" err="1" smtClean="0"/>
+              <a:t>trở</a:t>
+            </a:r>
+            <a:r>
+              <a:rPr lang="en-US" baseline="0" dirty="0" smtClean="0"/>
+              <a:t> </a:t>
+            </a:r>
+            <a:r>
+              <a:rPr lang="en-US" baseline="0" dirty="0" err="1" smtClean="0"/>
+              <a:t>nên</a:t>
+            </a:r>
+            <a:r>
+              <a:rPr lang="en-US" baseline="0" dirty="0" smtClean="0"/>
+              <a:t> </a:t>
+            </a:r>
+            <a:r>
+              <a:rPr lang="en-US" baseline="0" dirty="0" err="1" smtClean="0"/>
+              <a:t>chắc</a:t>
+            </a:r>
+            <a:r>
+              <a:rPr lang="en-US" baseline="0" dirty="0" smtClean="0"/>
+              <a:t> </a:t>
+            </a:r>
+            <a:r>
+              <a:rPr lang="en-US" baseline="0" dirty="0" err="1" smtClean="0"/>
+              <a:t>chắn</a:t>
+            </a:r>
+            <a:r>
+              <a:rPr lang="en-US" baseline="0" dirty="0" smtClean="0"/>
+              <a:t>, </a:t>
+            </a:r>
+            <a:r>
+              <a:rPr lang="en-US" baseline="0" dirty="0" err="1" smtClean="0"/>
+              <a:t>tự</a:t>
+            </a:r>
+            <a:r>
+              <a:rPr lang="en-US" baseline="0" dirty="0" smtClean="0"/>
+              <a:t> tin, </a:t>
+            </a:r>
+            <a:r>
+              <a:rPr lang="en-US" baseline="0" dirty="0" err="1" smtClean="0"/>
+              <a:t>thư</a:t>
+            </a:r>
+            <a:r>
+              <a:rPr lang="en-US" baseline="0" dirty="0" smtClean="0"/>
+              <a:t> </a:t>
+            </a:r>
+            <a:r>
+              <a:rPr lang="en-US" baseline="0" dirty="0" err="1" smtClean="0"/>
+              <a:t>giản</a:t>
+            </a:r>
+            <a:r>
+              <a:rPr lang="en-US" baseline="0" dirty="0" smtClean="0"/>
+              <a:t> </a:t>
+            </a:r>
+            <a:r>
+              <a:rPr lang="en-US" baseline="0" dirty="0" err="1" smtClean="0"/>
+              <a:t>và</a:t>
+            </a:r>
+            <a:r>
+              <a:rPr lang="en-US" baseline="0" dirty="0" smtClean="0"/>
+              <a:t> </a:t>
+            </a:r>
+            <a:r>
+              <a:rPr lang="en-US" baseline="0" dirty="0" err="1" smtClean="0"/>
+              <a:t>nhịp</a:t>
+            </a:r>
+            <a:r>
+              <a:rPr lang="en-US" baseline="0" dirty="0" smtClean="0"/>
+              <a:t> </a:t>
+            </a:r>
+            <a:r>
+              <a:rPr lang="en-US" baseline="0" dirty="0" err="1" smtClean="0"/>
+              <a:t>thở</a:t>
+            </a:r>
+            <a:r>
+              <a:rPr lang="en-US" baseline="0" dirty="0" smtClean="0"/>
+              <a:t> </a:t>
+            </a:r>
+            <a:r>
+              <a:rPr lang="en-US" baseline="0" dirty="0" err="1" smtClean="0"/>
+              <a:t>trở</a:t>
+            </a:r>
+            <a:r>
+              <a:rPr lang="en-US" baseline="0" dirty="0" smtClean="0"/>
+              <a:t> </a:t>
+            </a:r>
+            <a:r>
+              <a:rPr lang="en-US" baseline="0" dirty="0" err="1" smtClean="0"/>
+              <a:t>nên</a:t>
+            </a:r>
+            <a:r>
+              <a:rPr lang="en-US" baseline="0" dirty="0" smtClean="0"/>
+              <a:t> </a:t>
+            </a:r>
+            <a:r>
+              <a:rPr lang="en-US" baseline="0" dirty="0" err="1" smtClean="0"/>
+              <a:t>tốt</a:t>
+            </a:r>
+            <a:r>
+              <a:rPr lang="en-US" baseline="0" dirty="0" smtClean="0"/>
+              <a:t>. </a:t>
+            </a:r>
+            <a:r>
+              <a:rPr lang="en-US" baseline="0" dirty="0" err="1" smtClean="0"/>
+              <a:t>Và</a:t>
+            </a:r>
+            <a:r>
+              <a:rPr lang="en-US" baseline="0" dirty="0" smtClean="0"/>
+              <a:t> </a:t>
+            </a:r>
+            <a:r>
+              <a:rPr lang="en-US" baseline="0" dirty="0" err="1" smtClean="0"/>
+              <a:t>sẽ</a:t>
+            </a:r>
+            <a:r>
+              <a:rPr lang="en-US" baseline="0" dirty="0" smtClean="0"/>
+              <a:t> </a:t>
+            </a:r>
+            <a:r>
+              <a:rPr lang="en-US" baseline="0" dirty="0" err="1" smtClean="0"/>
+              <a:t>giúp</a:t>
+            </a:r>
+            <a:r>
+              <a:rPr lang="en-US" baseline="0" dirty="0" smtClean="0"/>
+              <a:t> </a:t>
+            </a:r>
+            <a:r>
+              <a:rPr lang="en-US" baseline="0" dirty="0" err="1" smtClean="0"/>
+              <a:t>bạn</a:t>
+            </a:r>
+            <a:r>
+              <a:rPr lang="en-US" baseline="0" dirty="0" smtClean="0"/>
+              <a:t> </a:t>
+            </a:r>
+            <a:r>
+              <a:rPr lang="en-US" baseline="0" dirty="0" err="1" smtClean="0"/>
+              <a:t>thuyết</a:t>
+            </a:r>
+            <a:r>
+              <a:rPr lang="en-US" baseline="0" dirty="0" smtClean="0"/>
+              <a:t> </a:t>
+            </a:r>
+            <a:r>
+              <a:rPr lang="en-US" baseline="0" dirty="0" err="1" smtClean="0"/>
+              <a:t>trình</a:t>
+            </a:r>
+            <a:r>
+              <a:rPr lang="en-US" baseline="0" dirty="0" smtClean="0"/>
+              <a:t> </a:t>
+            </a:r>
+            <a:r>
+              <a:rPr lang="en-US" baseline="0" dirty="0" err="1" smtClean="0"/>
+              <a:t>tốt</a:t>
+            </a:r>
+            <a:r>
+              <a:rPr lang="en-US" baseline="0" dirty="0" smtClean="0"/>
+              <a:t> </a:t>
+            </a:r>
+            <a:r>
+              <a:rPr lang="en-US" baseline="0" dirty="0" err="1" smtClean="0"/>
+              <a:t>hơn</a:t>
+            </a:r>
+            <a:r>
+              <a:rPr lang="en-US" baseline="0" dirty="0" smtClean="0"/>
+              <a:t>, </a:t>
+            </a:r>
+            <a:r>
+              <a:rPr lang="en-US" baseline="0" dirty="0" err="1" smtClean="0"/>
+              <a:t>truyền</a:t>
+            </a:r>
+            <a:r>
+              <a:rPr lang="en-US" baseline="0" dirty="0" smtClean="0"/>
+              <a:t> </a:t>
+            </a:r>
+            <a:r>
+              <a:rPr lang="en-US" baseline="0" dirty="0" err="1" smtClean="0"/>
+              <a:t>đạt</a:t>
+            </a:r>
+            <a:r>
+              <a:rPr lang="en-US" baseline="0" dirty="0" smtClean="0"/>
+              <a:t> </a:t>
+            </a:r>
+            <a:r>
+              <a:rPr lang="en-US" baseline="0" dirty="0" err="1" smtClean="0"/>
+              <a:t>thông</a:t>
+            </a:r>
+            <a:r>
+              <a:rPr lang="en-US" baseline="0" dirty="0" smtClean="0"/>
+              <a:t> tin </a:t>
+            </a:r>
+            <a:r>
+              <a:rPr lang="en-US" baseline="0" dirty="0" err="1" smtClean="0"/>
+              <a:t>đến</a:t>
+            </a:r>
+            <a:r>
+              <a:rPr lang="en-US" baseline="0" dirty="0" smtClean="0"/>
+              <a:t> </a:t>
+            </a:r>
+            <a:r>
+              <a:rPr lang="en-US" baseline="0" dirty="0" err="1" smtClean="0"/>
+              <a:t>người</a:t>
+            </a:r>
+            <a:r>
+              <a:rPr lang="en-US" baseline="0" dirty="0" smtClean="0"/>
+              <a:t> </a:t>
+            </a:r>
+            <a:r>
+              <a:rPr lang="en-US" baseline="0" dirty="0" err="1" smtClean="0"/>
+              <a:t>nghe</a:t>
+            </a:r>
+            <a:r>
+              <a:rPr lang="en-US" baseline="0" dirty="0" smtClean="0"/>
+              <a:t> </a:t>
+            </a:r>
+            <a:r>
+              <a:rPr lang="en-US" baseline="0" dirty="0" err="1" smtClean="0"/>
+              <a:t>hiệu</a:t>
+            </a:r>
+            <a:r>
+              <a:rPr lang="en-US" baseline="0" dirty="0" smtClean="0"/>
+              <a:t> </a:t>
+            </a:r>
+            <a:r>
+              <a:rPr lang="en-US" baseline="0" dirty="0" err="1" smtClean="0"/>
+              <a:t>quả</a:t>
+            </a:r>
+            <a:r>
+              <a:rPr lang="en-US" baseline="0" dirty="0" smtClean="0"/>
+              <a:t>.</a:t>
+            </a:r>
+            <a:r>
+              <a:rPr lang="en-US" baseline="0" dirty="0" smtClean="0"/>
+              <a:t/>
+            </a:r>
+            <a:br>
+              <a:rPr lang="en-US" baseline="0" dirty="0" smtClean="0"/>
+            </a:br>
+            <a:r>
+              <a:rPr lang="en-US" baseline="0" dirty="0" smtClean="0"/>
+              <a:t/>
+            </a:r>
+            <a:br>
+              <a:rPr lang="en-US" baseline="0" dirty="0" smtClean="0"/>
+            </a:br>
+            <a:r>
+              <a:rPr lang="en-US" baseline="0" dirty="0" err="1" smtClean="0"/>
+              <a:t>Dừng</a:t>
+            </a:r>
+            <a:r>
+              <a:rPr lang="en-US" baseline="0" smtClean="0"/>
+              <a:t> 5-10s</a:t>
+            </a:r>
+            <a:r>
+              <a:rPr lang="en-US" baseline="0" dirty="0" smtClean="0"/>
+              <a:t/>
+            </a:r>
+            <a:br>
+              <a:rPr lang="en-US" baseline="0" dirty="0" smtClean="0"/>
+            </a:br>
+            <a:r>
+              <a:rPr lang="en-US" baseline="0" dirty="0" err="1" smtClean="0"/>
+              <a:t>Bạn</a:t>
+            </a:r>
+            <a:r>
+              <a:rPr lang="en-US" baseline="0" dirty="0" smtClean="0"/>
+              <a:t> </a:t>
+            </a:r>
+            <a:r>
+              <a:rPr lang="en-US" baseline="0" dirty="0" err="1" smtClean="0"/>
+              <a:t>có</a:t>
+            </a:r>
+            <a:r>
+              <a:rPr lang="en-US" baseline="0" dirty="0" smtClean="0"/>
+              <a:t> </a:t>
+            </a:r>
+            <a:r>
+              <a:rPr lang="en-US" baseline="0" dirty="0" err="1" smtClean="0"/>
+              <a:t>thấy</a:t>
+            </a:r>
+            <a:r>
+              <a:rPr lang="en-US" baseline="0" dirty="0" smtClean="0"/>
+              <a:t> </a:t>
+            </a:r>
+            <a:r>
+              <a:rPr lang="en-US" baseline="0" dirty="0" err="1" smtClean="0"/>
+              <a:t>hình</a:t>
+            </a:r>
+            <a:r>
+              <a:rPr lang="en-US" baseline="0" dirty="0" smtClean="0"/>
+              <a:t> con </a:t>
+            </a:r>
+            <a:r>
+              <a:rPr lang="en-US" baseline="0" dirty="0" err="1" smtClean="0"/>
+              <a:t>gấu</a:t>
+            </a:r>
+            <a:r>
+              <a:rPr lang="en-US" baseline="0" dirty="0" smtClean="0"/>
+              <a:t> </a:t>
+            </a:r>
+            <a:r>
+              <a:rPr lang="en-US" baseline="0" dirty="0" err="1" smtClean="0"/>
+              <a:t>đang</a:t>
+            </a:r>
+            <a:r>
+              <a:rPr lang="en-US" baseline="0" dirty="0" smtClean="0"/>
+              <a:t> </a:t>
+            </a:r>
+            <a:r>
+              <a:rPr lang="en-US" baseline="0" dirty="0" err="1" smtClean="0"/>
+              <a:t>mở</a:t>
+            </a:r>
+            <a:r>
+              <a:rPr lang="en-US" baseline="0" dirty="0" smtClean="0"/>
+              <a:t> </a:t>
+            </a:r>
+            <a:r>
+              <a:rPr lang="en-US" baseline="0" dirty="0" err="1" smtClean="0"/>
+              <a:t>rộng</a:t>
+            </a:r>
+            <a:r>
+              <a:rPr lang="en-US" baseline="0" dirty="0" smtClean="0"/>
+              <a:t> </a:t>
+            </a:r>
+            <a:r>
+              <a:rPr lang="en-US" baseline="0" dirty="0" err="1" smtClean="0"/>
+              <a:t>cánh</a:t>
+            </a:r>
+            <a:r>
+              <a:rPr lang="en-US" baseline="0" dirty="0" smtClean="0"/>
+              <a:t> </a:t>
+            </a:r>
+            <a:r>
+              <a:rPr lang="en-US" baseline="0" dirty="0" err="1" smtClean="0"/>
+              <a:t>tay</a:t>
+            </a:r>
+            <a:r>
+              <a:rPr lang="en-US" baseline="0" dirty="0" smtClean="0"/>
+              <a:t> </a:t>
+            </a:r>
+            <a:r>
+              <a:rPr lang="en-US" baseline="0" dirty="0" err="1" smtClean="0"/>
+              <a:t>không</a:t>
+            </a:r>
+            <a:r>
+              <a:rPr lang="en-US" baseline="0" dirty="0" smtClean="0"/>
+              <a:t> ạ, </a:t>
+            </a:r>
+            <a:r>
+              <a:rPr lang="en-US" baseline="0" dirty="0" err="1" smtClean="0"/>
+              <a:t>và</a:t>
+            </a:r>
+            <a:r>
+              <a:rPr lang="en-US" baseline="0" dirty="0" smtClean="0"/>
+              <a:t> </a:t>
+            </a:r>
+            <a:r>
+              <a:rPr lang="en-US" baseline="0" dirty="0" err="1" smtClean="0"/>
+              <a:t>kèm</a:t>
+            </a:r>
+            <a:r>
+              <a:rPr lang="en-US" baseline="0" dirty="0" smtClean="0"/>
+              <a:t> </a:t>
+            </a:r>
+            <a:r>
+              <a:rPr lang="en-US" baseline="0" dirty="0" err="1" smtClean="0"/>
+              <a:t>theo</a:t>
             </a:r>
             <a:r>
               <a:rPr lang="en-US" baseline="0" dirty="0" smtClean="0"/>
@@ -2209,271 +2866,55 @@
             </a:r>
             <a:r>
               <a:rPr lang="en-US" baseline="0" dirty="0" err="1" smtClean="0"/>
-              <a:t>sẽ</a:t>
-            </a:r>
-            <a:r>
-              <a:rPr lang="en-US" baseline="0" dirty="0" smtClean="0"/>
-              <a:t> </a:t>
-            </a:r>
-            <a:r>
-              <a:rPr lang="en-US" baseline="0" dirty="0" err="1" smtClean="0"/>
-              <a:t>giúp</a:t>
-            </a:r>
-            <a:r>
-              <a:rPr lang="en-US" baseline="0" dirty="0" smtClean="0"/>
-              <a:t> </a:t>
-            </a:r>
-            <a:r>
-              <a:rPr lang="en-US" baseline="0" dirty="0" err="1" smtClean="0"/>
-              <a:t>bạn</a:t>
-            </a:r>
-            <a:r>
-              <a:rPr lang="en-US" baseline="0" dirty="0" smtClean="0"/>
-              <a:t> </a:t>
-            </a:r>
-            <a:r>
-              <a:rPr lang="en-US" baseline="0" dirty="0" err="1" smtClean="0"/>
-              <a:t>trở</a:t>
-            </a:r>
-            <a:r>
-              <a:rPr lang="en-US" baseline="0" dirty="0" smtClean="0"/>
-              <a:t> </a:t>
-            </a:r>
-            <a:r>
-              <a:rPr lang="en-US" baseline="0" dirty="0" err="1" smtClean="0"/>
-              <a:t>nên</a:t>
-            </a:r>
-            <a:r>
-              <a:rPr lang="en-US" baseline="0" dirty="0" smtClean="0"/>
-              <a:t> </a:t>
-            </a:r>
-            <a:r>
-              <a:rPr lang="en-US" baseline="0" dirty="0" err="1" smtClean="0"/>
-              <a:t>chắc</a:t>
-            </a:r>
-            <a:r>
-              <a:rPr lang="en-US" baseline="0" dirty="0" smtClean="0"/>
-              <a:t> </a:t>
-            </a:r>
-            <a:r>
-              <a:rPr lang="en-US" baseline="0" dirty="0" err="1" smtClean="0"/>
-              <a:t>chắn</a:t>
-            </a:r>
-            <a:r>
-              <a:rPr lang="en-US" baseline="0" dirty="0" smtClean="0"/>
-              <a:t>, </a:t>
-            </a:r>
-            <a:r>
-              <a:rPr lang="en-US" baseline="0" dirty="0" err="1" smtClean="0"/>
-              <a:t>tự</a:t>
-            </a:r>
-            <a:r>
-              <a:rPr lang="en-US" baseline="0" dirty="0" smtClean="0"/>
-              <a:t> tin, </a:t>
-            </a:r>
-            <a:r>
-              <a:rPr lang="en-US" baseline="0" dirty="0" err="1" smtClean="0"/>
-              <a:t>thư</a:t>
-            </a:r>
-            <a:r>
-              <a:rPr lang="en-US" baseline="0" dirty="0" smtClean="0"/>
-              <a:t> </a:t>
-            </a:r>
-            <a:r>
-              <a:rPr lang="en-US" baseline="0" dirty="0" err="1" smtClean="0"/>
-              <a:t>giản</a:t>
-            </a:r>
-            <a:r>
-              <a:rPr lang="en-US" baseline="0" dirty="0" smtClean="0"/>
-              <a:t> </a:t>
-            </a:r>
-            <a:r>
-              <a:rPr lang="en-US" baseline="0" dirty="0" err="1" smtClean="0"/>
-              <a:t>và</a:t>
-            </a:r>
-            <a:r>
-              <a:rPr lang="en-US" baseline="0" dirty="0" smtClean="0"/>
-              <a:t> </a:t>
-            </a:r>
-            <a:r>
-              <a:rPr lang="en-US" baseline="0" dirty="0" err="1" smtClean="0"/>
-              <a:t>nhịp</a:t>
-            </a:r>
-            <a:r>
-              <a:rPr lang="en-US" baseline="0" dirty="0" smtClean="0"/>
-              <a:t> </a:t>
-            </a:r>
-            <a:r>
-              <a:rPr lang="en-US" baseline="0" dirty="0" err="1" smtClean="0"/>
-              <a:t>thở</a:t>
-            </a:r>
-            <a:r>
-              <a:rPr lang="en-US" baseline="0" dirty="0" smtClean="0"/>
-              <a:t> </a:t>
-            </a:r>
-            <a:r>
-              <a:rPr lang="en-US" baseline="0" dirty="0" err="1" smtClean="0"/>
-              <a:t>của</a:t>
-            </a:r>
-            <a:r>
-              <a:rPr lang="en-US" baseline="0" dirty="0" smtClean="0"/>
-              <a:t> </a:t>
-            </a:r>
-            <a:r>
-              <a:rPr lang="en-US" baseline="0" dirty="0" err="1" smtClean="0"/>
-              <a:t>bạn</a:t>
-            </a:r>
-            <a:r>
-              <a:rPr lang="en-US" baseline="0" dirty="0" smtClean="0"/>
-              <a:t> </a:t>
-            </a:r>
-            <a:r>
-              <a:rPr lang="en-US" baseline="0" dirty="0" err="1" smtClean="0"/>
-              <a:t>tốt</a:t>
-            </a:r>
-            <a:r>
-              <a:rPr lang="en-US" baseline="0" dirty="0" smtClean="0"/>
-              <a:t> </a:t>
-            </a:r>
-            <a:r>
-              <a:rPr lang="en-US" baseline="0" dirty="0" err="1" smtClean="0"/>
-              <a:t>hơn</a:t>
-            </a:r>
-            <a:r>
-              <a:rPr lang="en-US" baseline="0" dirty="0" smtClean="0"/>
-              <a:t>. </a:t>
-            </a:r>
-            <a:r>
-              <a:rPr lang="en-US" baseline="0" dirty="0" err="1" smtClean="0"/>
-              <a:t>Và</a:t>
-            </a:r>
-            <a:r>
-              <a:rPr lang="en-US" baseline="0" dirty="0" smtClean="0"/>
-              <a:t> </a:t>
-            </a:r>
-            <a:r>
-              <a:rPr lang="en-US" baseline="0" dirty="0" err="1" smtClean="0"/>
-              <a:t>Việc</a:t>
-            </a:r>
-            <a:r>
-              <a:rPr lang="en-US" baseline="0" dirty="0" smtClean="0"/>
-              <a:t> </a:t>
-            </a:r>
-            <a:r>
-              <a:rPr lang="en-US" baseline="0" dirty="0" err="1" smtClean="0"/>
-              <a:t>này</a:t>
-            </a:r>
-            <a:r>
-              <a:rPr lang="en-US" baseline="0" dirty="0" smtClean="0"/>
-              <a:t> </a:t>
-            </a:r>
-            <a:r>
-              <a:rPr lang="en-US" baseline="0" dirty="0" err="1" smtClean="0"/>
-              <a:t>giúp</a:t>
-            </a:r>
-            <a:r>
-              <a:rPr lang="en-US" baseline="0" dirty="0" smtClean="0"/>
-              <a:t> </a:t>
-            </a:r>
-            <a:r>
-              <a:rPr lang="en-US" baseline="0" dirty="0" err="1" smtClean="0"/>
-              <a:t>bạn</a:t>
-            </a:r>
-            <a:r>
-              <a:rPr lang="en-US" baseline="0" dirty="0" smtClean="0"/>
-              <a:t> </a:t>
-            </a:r>
-            <a:r>
-              <a:rPr lang="en-US" baseline="0" dirty="0" err="1" smtClean="0"/>
-              <a:t>thuyết</a:t>
-            </a:r>
-            <a:r>
-              <a:rPr lang="en-US" baseline="0" dirty="0" smtClean="0"/>
-              <a:t> </a:t>
-            </a:r>
-            <a:r>
-              <a:rPr lang="en-US" baseline="0" dirty="0" err="1" smtClean="0"/>
-              <a:t>trình</a:t>
-            </a:r>
-            <a:r>
-              <a:rPr lang="en-US" baseline="0" dirty="0" smtClean="0"/>
-              <a:t> </a:t>
-            </a:r>
-            <a:r>
-              <a:rPr lang="en-US" baseline="0" dirty="0" err="1" smtClean="0"/>
-              <a:t>tốt</a:t>
-            </a:r>
-            <a:r>
-              <a:rPr lang="en-US" baseline="0" dirty="0" smtClean="0"/>
-              <a:t> </a:t>
-            </a:r>
-            <a:r>
-              <a:rPr lang="en-US" baseline="0" dirty="0" err="1" smtClean="0"/>
-              <a:t>hơn</a:t>
-            </a:r>
-            <a:r>
-              <a:rPr lang="en-US" baseline="0" dirty="0" smtClean="0"/>
-              <a:t>, </a:t>
-            </a:r>
-            <a:r>
-              <a:rPr lang="en-US" baseline="0" dirty="0" err="1" smtClean="0"/>
-              <a:t>truyền</a:t>
-            </a:r>
-            <a:r>
-              <a:rPr lang="en-US" baseline="0" dirty="0" smtClean="0"/>
-              <a:t> </a:t>
-            </a:r>
-            <a:r>
-              <a:rPr lang="en-US" baseline="0" dirty="0" err="1" smtClean="0"/>
-              <a:t>đạt</a:t>
-            </a:r>
-            <a:r>
-              <a:rPr lang="en-US" baseline="0" dirty="0" smtClean="0"/>
-              <a:t> </a:t>
-            </a:r>
-            <a:r>
-              <a:rPr lang="en-US" baseline="0" dirty="0" err="1" smtClean="0"/>
-              <a:t>thông</a:t>
-            </a:r>
-            <a:r>
-              <a:rPr lang="en-US" baseline="0" dirty="0" smtClean="0"/>
-              <a:t> tin </a:t>
-            </a:r>
-            <a:r>
-              <a:rPr lang="en-US" baseline="0" dirty="0" err="1" smtClean="0"/>
-              <a:t>đến</a:t>
-            </a:r>
-            <a:r>
-              <a:rPr lang="en-US" baseline="0" dirty="0" smtClean="0"/>
-              <a:t> </a:t>
-            </a:r>
-            <a:r>
-              <a:rPr lang="en-US" baseline="0" dirty="0" err="1" smtClean="0"/>
-              <a:t>người</a:t>
-            </a:r>
-            <a:r>
-              <a:rPr lang="en-US" baseline="0" dirty="0" smtClean="0"/>
-              <a:t> </a:t>
-            </a:r>
-            <a:r>
-              <a:rPr lang="en-US" baseline="0" dirty="0" err="1" smtClean="0"/>
-              <a:t>nghe</a:t>
-            </a:r>
-            <a:r>
-              <a:rPr lang="en-US" baseline="0" dirty="0" smtClean="0"/>
-              <a:t> </a:t>
-            </a:r>
-            <a:r>
-              <a:rPr lang="en-US" baseline="0" dirty="0" err="1" smtClean="0"/>
-              <a:t>hiệu</a:t>
-            </a:r>
-            <a:r>
-              <a:rPr lang="en-US" baseline="0" dirty="0" smtClean="0"/>
-              <a:t> </a:t>
-            </a:r>
-            <a:r>
-              <a:rPr lang="en-US" baseline="0" dirty="0" err="1" smtClean="0"/>
-              <a:t>quả</a:t>
+              <a:t>là</a:t>
+            </a:r>
+            <a:r>
+              <a:rPr lang="en-US" baseline="0" dirty="0" smtClean="0"/>
+              <a:t> </a:t>
+            </a:r>
+            <a:r>
+              <a:rPr lang="en-US" baseline="0" dirty="0" err="1" smtClean="0"/>
+              <a:t>một</a:t>
+            </a:r>
+            <a:r>
+              <a:rPr lang="en-US" baseline="0" dirty="0" smtClean="0"/>
+              <a:t> </a:t>
+            </a:r>
+            <a:r>
+              <a:rPr lang="en-US" baseline="0" dirty="0" err="1" smtClean="0"/>
+              <a:t>nụ</a:t>
+            </a:r>
+            <a:r>
+              <a:rPr lang="en-US" baseline="0" dirty="0" smtClean="0"/>
+              <a:t> </a:t>
+            </a:r>
+            <a:r>
+              <a:rPr lang="en-US" baseline="0" dirty="0" err="1" smtClean="0"/>
+              <a:t>cười</a:t>
+            </a:r>
+            <a:r>
+              <a:rPr lang="en-US" baseline="0" dirty="0" smtClean="0"/>
+              <a:t> </a:t>
+            </a:r>
+            <a:r>
+              <a:rPr lang="en-US" baseline="0" dirty="0" err="1" smtClean="0"/>
+              <a:t>rất</a:t>
+            </a:r>
+            <a:r>
+              <a:rPr lang="en-US" baseline="0" dirty="0" smtClean="0"/>
+              <a:t> chi </a:t>
+            </a:r>
+            <a:r>
+              <a:rPr lang="en-US" baseline="0" dirty="0" err="1" smtClean="0"/>
+              <a:t>là</a:t>
+            </a:r>
+            <a:r>
+              <a:rPr lang="en-US" baseline="0" dirty="0" smtClean="0"/>
+              <a:t> </a:t>
+            </a:r>
+            <a:r>
+              <a:rPr lang="en-US" baseline="0" dirty="0" err="1" smtClean="0"/>
+              <a:t>kute</a:t>
             </a:r>
             <a:r>
               <a:rPr lang="en-US" baseline="0" dirty="0" smtClean="0"/>
@@ -2482,88 +2923,6 @@
             <a:br>
               <a:rPr lang="en-US" baseline="0" dirty="0" smtClean="0"/>
             </a:br>
-            <a:r>
-              <a:rPr lang="en-US" baseline="0" dirty="0" smtClean="0"/>
-              <a:t/>
-            </a:r>
-            <a:br>
-              <a:rPr lang="en-US" baseline="0" dirty="0" smtClean="0"/>
-            </a:br>
-            <a:r>
-              <a:rPr lang="en-US" baseline="0" dirty="0" err="1" smtClean="0"/>
-              <a:t>Dừng</a:t>
-            </a:r>
-            <a:r>
-              <a:rPr lang="en-US" baseline="0" dirty="0" smtClean="0"/>
-              <a:t> 5-10s</a:t>
-            </a:r>
-            <a:br>
-              <a:rPr lang="en-US" baseline="0" dirty="0" smtClean="0"/>
-            </a:br>
-            <a:r>
-              <a:rPr lang="en-US" baseline="0" dirty="0" err="1" smtClean="0"/>
-              <a:t>bạn</a:t>
-            </a:r>
-            <a:r>
-              <a:rPr lang="en-US" baseline="0" dirty="0" smtClean="0"/>
-              <a:t> </a:t>
-            </a:r>
-            <a:r>
-              <a:rPr lang="en-US" baseline="0" dirty="0" err="1" smtClean="0"/>
-              <a:t>có</a:t>
-            </a:r>
-            <a:r>
-              <a:rPr lang="en-US" baseline="0" dirty="0" smtClean="0"/>
-              <a:t> </a:t>
-            </a:r>
-            <a:r>
-              <a:rPr lang="en-US" baseline="0" dirty="0" err="1" smtClean="0"/>
-              <a:t>thấy</a:t>
-            </a:r>
-            <a:r>
-              <a:rPr lang="en-US" baseline="0" dirty="0" smtClean="0"/>
-              <a:t> </a:t>
-            </a:r>
-            <a:r>
-              <a:rPr lang="en-US" baseline="0" dirty="0" err="1" smtClean="0"/>
-              <a:t>chú</a:t>
-            </a:r>
-            <a:r>
-              <a:rPr lang="en-US" baseline="0" dirty="0" smtClean="0"/>
-              <a:t> </a:t>
-            </a:r>
-            <a:r>
-              <a:rPr lang="en-US" baseline="0" dirty="0" err="1" smtClean="0"/>
-              <a:t>gấu</a:t>
-            </a:r>
-            <a:r>
-              <a:rPr lang="en-US" baseline="0" dirty="0" smtClean="0"/>
-              <a:t> </a:t>
-            </a:r>
-            <a:r>
-              <a:rPr lang="en-US" baseline="0" dirty="0" err="1" smtClean="0"/>
-              <a:t>đang</a:t>
-            </a:r>
-            <a:r>
-              <a:rPr lang="en-US" baseline="0" dirty="0" smtClean="0"/>
-              <a:t> </a:t>
-            </a:r>
-            <a:r>
-              <a:rPr lang="en-US" baseline="0" dirty="0" err="1" smtClean="0"/>
-              <a:t>cười</a:t>
-            </a:r>
-            <a:r>
-              <a:rPr lang="en-US" baseline="0" dirty="0" smtClean="0"/>
-              <a:t> </a:t>
-            </a:r>
-            <a:r>
-              <a:rPr lang="en-US" baseline="0" dirty="0" err="1" smtClean="0"/>
-              <a:t>không</a:t>
-            </a:r>
-            <a:r>
-              <a:rPr lang="en-US" baseline="0" dirty="0" smtClean="0"/>
-              <a:t> ạ? </a:t>
-            </a:r>
             <a:r>
               <a:rPr lang="en-US" baseline="0" dirty="0" err="1" smtClean="0"/>
               <a:t>Vâng</a:t>
